--- a/1016Report/1016_결과보고.pptx
+++ b/1016Report/1016_결과보고.pptx
@@ -224,7 +224,7 @@
           <a:p>
             <a:fld id="{265A5232-C53E-4F47-9B1D-10DC02294D1A}" type="datetimeFigureOut">
               <a:rPr lang="en-US" smtClean="0"/>
-              <a:t>10/18/2023</a:t>
+              <a:t>11/14/2023</a:t>
             </a:fld>
             <a:endParaRPr lang="en-US"/>
           </a:p>
@@ -474,7 +474,7 @@
           <a:p>
             <a:fld id="{F0AD61EE-A626-44D1-8BBF-C441989EBD45}" type="datetimeFigureOut">
               <a:rPr lang="ko-KR" altLang="en-US" smtClean="0"/>
-              <a:t>2023-10-18</a:t>
+              <a:t>2023-11-14</a:t>
             </a:fld>
             <a:endParaRPr lang="ko-KR" altLang="en-US"/>
           </a:p>
@@ -672,7 +672,7 @@
           <a:p>
             <a:fld id="{F0AD61EE-A626-44D1-8BBF-C441989EBD45}" type="datetimeFigureOut">
               <a:rPr lang="ko-KR" altLang="en-US" smtClean="0"/>
-              <a:t>2023-10-18</a:t>
+              <a:t>2023-11-14</a:t>
             </a:fld>
             <a:endParaRPr lang="ko-KR" altLang="en-US"/>
           </a:p>
@@ -880,7 +880,7 @@
           <a:p>
             <a:fld id="{F0AD61EE-A626-44D1-8BBF-C441989EBD45}" type="datetimeFigureOut">
               <a:rPr lang="ko-KR" altLang="en-US" smtClean="0"/>
-              <a:t>2023-10-18</a:t>
+              <a:t>2023-11-14</a:t>
             </a:fld>
             <a:endParaRPr lang="ko-KR" altLang="en-US"/>
           </a:p>
@@ -1122,7 +1122,7 @@
           <a:p>
             <a:fld id="{F0AD61EE-A626-44D1-8BBF-C441989EBD45}" type="datetimeFigureOut">
               <a:rPr lang="ko-KR" altLang="en-US" smtClean="0"/>
-              <a:t>2023-10-18</a:t>
+              <a:t>2023-11-14</a:t>
             </a:fld>
             <a:endParaRPr lang="ko-KR" altLang="en-US"/>
           </a:p>
@@ -1438,7 +1438,7 @@
           <a:p>
             <a:fld id="{F0AD61EE-A626-44D1-8BBF-C441989EBD45}" type="datetimeFigureOut">
               <a:rPr lang="ko-KR" altLang="en-US" smtClean="0"/>
-              <a:t>2023-10-18</a:t>
+              <a:t>2023-11-14</a:t>
             </a:fld>
             <a:endParaRPr lang="ko-KR" altLang="en-US"/>
           </a:p>
@@ -1744,7 +1744,7 @@
           <a:p>
             <a:fld id="{F0AD61EE-A626-44D1-8BBF-C441989EBD45}" type="datetimeFigureOut">
               <a:rPr lang="ko-KR" altLang="en-US" smtClean="0"/>
-              <a:t>2023-10-18</a:t>
+              <a:t>2023-11-14</a:t>
             </a:fld>
             <a:endParaRPr lang="ko-KR" altLang="en-US"/>
           </a:p>
@@ -2156,7 +2156,7 @@
           <a:p>
             <a:fld id="{F0AD61EE-A626-44D1-8BBF-C441989EBD45}" type="datetimeFigureOut">
               <a:rPr lang="ko-KR" altLang="en-US" smtClean="0"/>
-              <a:t>2023-10-18</a:t>
+              <a:t>2023-11-14</a:t>
             </a:fld>
             <a:endParaRPr lang="ko-KR" altLang="en-US"/>
           </a:p>
@@ -2297,7 +2297,7 @@
           <a:p>
             <a:fld id="{F0AD61EE-A626-44D1-8BBF-C441989EBD45}" type="datetimeFigureOut">
               <a:rPr lang="ko-KR" altLang="en-US" smtClean="0"/>
-              <a:t>2023-10-18</a:t>
+              <a:t>2023-11-14</a:t>
             </a:fld>
             <a:endParaRPr lang="ko-KR" altLang="en-US"/>
           </a:p>
@@ -2410,7 +2410,7 @@
           <a:p>
             <a:fld id="{F0AD61EE-A626-44D1-8BBF-C441989EBD45}" type="datetimeFigureOut">
               <a:rPr lang="ko-KR" altLang="en-US" smtClean="0"/>
-              <a:t>2023-10-18</a:t>
+              <a:t>2023-11-14</a:t>
             </a:fld>
             <a:endParaRPr lang="ko-KR" altLang="en-US"/>
           </a:p>
@@ -2721,7 +2721,7 @@
           <a:p>
             <a:fld id="{F0AD61EE-A626-44D1-8BBF-C441989EBD45}" type="datetimeFigureOut">
               <a:rPr lang="ko-KR" altLang="en-US" smtClean="0"/>
-              <a:t>2023-10-18</a:t>
+              <a:t>2023-11-14</a:t>
             </a:fld>
             <a:endParaRPr lang="ko-KR" altLang="en-US"/>
           </a:p>
@@ -3009,7 +3009,7 @@
           <a:p>
             <a:fld id="{F0AD61EE-A626-44D1-8BBF-C441989EBD45}" type="datetimeFigureOut">
               <a:rPr lang="ko-KR" altLang="en-US" smtClean="0"/>
-              <a:t>2023-10-18</a:t>
+              <a:t>2023-11-14</a:t>
             </a:fld>
             <a:endParaRPr lang="ko-KR" altLang="en-US"/>
           </a:p>
@@ -3250,7 +3250,7 @@
           <a:p>
             <a:fld id="{F0AD61EE-A626-44D1-8BBF-C441989EBD45}" type="datetimeFigureOut">
               <a:rPr lang="ko-KR" altLang="en-US" smtClean="0"/>
-              <a:t>2023-10-18</a:t>
+              <a:t>2023-11-14</a:t>
             </a:fld>
             <a:endParaRPr lang="ko-KR" altLang="en-US"/>
           </a:p>
@@ -3690,7 +3690,7 @@
           <a:p>
             <a:r>
               <a:rPr lang="en-US" altLang="ko-KR" dirty="0"/>
-              <a:t>9</a:t>
+              <a:t>10</a:t>
             </a:r>
             <a:r>
               <a:rPr lang="ko-KR" altLang="en-US" dirty="0"/>
@@ -3698,11 +3698,11 @@
             </a:r>
             <a:r>
               <a:rPr lang="en-US" altLang="ko-KR" dirty="0"/>
-              <a:t>14</a:t>
+              <a:t>16</a:t>
             </a:r>
             <a:r>
               <a:rPr lang="ko-KR" altLang="en-US" dirty="0"/>
-              <a:t>일 목요일 진행상황</a:t>
+              <a:t>일  진행상황</a:t>
             </a:r>
           </a:p>
         </p:txBody>
